--- a/Poster.pptx
+++ b/Poster.pptx
@@ -4727,8 +4727,8 @@
         </p:nvSpPr>
         <p:spPr>
           <a:xfrm>
-            <a:off x="347889" y="4778629"/>
-            <a:ext cx="7935685" cy="2062103"/>
+            <a:off x="347889" y="4780020"/>
+            <a:ext cx="7935685" cy="3046988"/>
           </a:xfrm>
           <a:prstGeom prst="rect">
             <a:avLst/>
@@ -4748,13 +4748,20 @@
           </a:bodyPr>
           <a:lstStyle/>
           <a:p>
+            <a:endParaRPr lang="en-US" sz="3200" dirty="0">
+              <a:latin typeface="Aptos" panose="020B0004020202020204" pitchFamily="34" charset="0"/>
+            </a:endParaRPr>
+          </a:p>
+          <a:p>
             <a:r>
               <a:rPr lang="en-US" sz="3200" dirty="0">
                 <a:latin typeface="Aptos" panose="020B0004020202020204" pitchFamily="34" charset="0"/>
               </a:rPr>
               <a:t>The Carmey Gil Center Challenged with inefficient, error-prone manual attendance tracking and lacked real-time emotional state monitoring.</a:t>
             </a:r>
-            <a:endParaRPr lang="he-IL" sz="3200" dirty="0">
+          </a:p>
+          <a:p>
+            <a:endParaRPr lang="en-US" sz="3200" dirty="0">
               <a:latin typeface="Aptos" panose="020B0004020202020204" pitchFamily="34" charset="0"/>
             </a:endParaRPr>
           </a:p>
@@ -4774,8 +4781,8 @@
         </p:nvSpPr>
         <p:spPr>
           <a:xfrm>
-            <a:off x="213295" y="16952953"/>
-            <a:ext cx="8131885" cy="3477875"/>
+            <a:off x="337290" y="17352806"/>
+            <a:ext cx="8131885" cy="6924973"/>
           </a:xfrm>
           <a:prstGeom prst="rect">
             <a:avLst/>
@@ -4832,8 +4839,89 @@
               <a:rPr lang="en-US" sz="3200" dirty="0">
                 <a:latin typeface="Aptos" panose="020B0004020202020204" pitchFamily="34" charset="0"/>
               </a:rPr>
-              <a:t>Feedback from the staff helped developing features, user-friendly interfaces, and emotional tracking.</a:t>
-            </a:r>
+              <a:t>Feedback from the staff helped developing features</a:t>
+            </a:r>
+            <a:endParaRPr lang="he-IL" sz="3200" dirty="0">
+              <a:latin typeface="Aptos" panose="020B0004020202020204" pitchFamily="34" charset="0"/>
+            </a:endParaRPr>
+          </a:p>
+          <a:p>
+            <a:pPr marL="457200" indent="-457200">
+              <a:buFont typeface="Arial" panose="020B0604020202020204" pitchFamily="34" charset="0"/>
+              <a:buChar char="•"/>
+            </a:pPr>
+            <a:r>
+              <a:rPr lang="en-US" sz="3200" dirty="0">
+                <a:latin typeface="Aptos" panose="020B0004020202020204" pitchFamily="34" charset="0"/>
+              </a:rPr>
+              <a:t>User-friendly interfaces</a:t>
+            </a:r>
+          </a:p>
+          <a:p>
+            <a:pPr marL="457200" indent="-457200">
+              <a:buFont typeface="Arial" panose="020B0604020202020204" pitchFamily="34" charset="0"/>
+              <a:buChar char="•"/>
+            </a:pPr>
+            <a:r>
+              <a:rPr lang="en-US" sz="3200" dirty="0">
+                <a:latin typeface="Aptos" panose="020B0004020202020204" pitchFamily="34" charset="0"/>
+              </a:rPr>
+              <a:t> Emotional tracking.</a:t>
+            </a:r>
+          </a:p>
+          <a:p>
+            <a:pPr marL="457200" indent="-457200">
+              <a:buFont typeface="Arial" panose="020B0604020202020204" pitchFamily="34" charset="0"/>
+              <a:buChar char="•"/>
+            </a:pPr>
+            <a:endParaRPr lang="en-US" sz="3200" dirty="0">
+              <a:latin typeface="Aptos" panose="020B0004020202020204" pitchFamily="34" charset="0"/>
+            </a:endParaRPr>
+          </a:p>
+          <a:p>
+            <a:pPr marL="457200" indent="-457200">
+              <a:buFont typeface="Arial" panose="020B0604020202020204" pitchFamily="34" charset="0"/>
+              <a:buChar char="•"/>
+            </a:pPr>
+            <a:endParaRPr lang="en-US" sz="3200" dirty="0">
+              <a:latin typeface="Aptos" panose="020B0004020202020204" pitchFamily="34" charset="0"/>
+            </a:endParaRPr>
+          </a:p>
+          <a:p>
+            <a:pPr marL="457200" indent="-457200">
+              <a:buFont typeface="Arial" panose="020B0604020202020204" pitchFamily="34" charset="0"/>
+              <a:buChar char="•"/>
+            </a:pPr>
+            <a:endParaRPr lang="en-US" sz="3200" dirty="0">
+              <a:latin typeface="Aptos" panose="020B0004020202020204" pitchFamily="34" charset="0"/>
+            </a:endParaRPr>
+          </a:p>
+          <a:p>
+            <a:pPr marL="457200" indent="-457200">
+              <a:buFont typeface="Arial" panose="020B0604020202020204" pitchFamily="34" charset="0"/>
+              <a:buChar char="•"/>
+            </a:pPr>
+            <a:endParaRPr lang="en-US" sz="3200" dirty="0">
+              <a:latin typeface="Aptos" panose="020B0004020202020204" pitchFamily="34" charset="0"/>
+            </a:endParaRPr>
+          </a:p>
+          <a:p>
+            <a:pPr marL="457200" indent="-457200">
+              <a:buFont typeface="Arial" panose="020B0604020202020204" pitchFamily="34" charset="0"/>
+              <a:buChar char="•"/>
+            </a:pPr>
+            <a:endParaRPr lang="en-US" sz="3200" dirty="0">
+              <a:latin typeface="Aptos" panose="020B0004020202020204" pitchFamily="34" charset="0"/>
+            </a:endParaRPr>
+          </a:p>
+          <a:p>
+            <a:pPr marL="457200" indent="-457200">
+              <a:buFont typeface="Arial" panose="020B0604020202020204" pitchFamily="34" charset="0"/>
+              <a:buChar char="•"/>
+            </a:pPr>
+            <a:endParaRPr lang="en-US" sz="3200" dirty="0">
+              <a:latin typeface="Aptos" panose="020B0004020202020204" pitchFamily="34" charset="0"/>
+            </a:endParaRPr>
           </a:p>
           <a:p>
             <a:endParaRPr lang="he-IL" sz="2800" dirty="0">
@@ -5102,14 +5190,16 @@
         <p:spPr>
           <a:xfrm>
             <a:off x="478851" y="25396778"/>
-            <a:ext cx="6163157" cy="4031873"/>
+            <a:ext cx="6163157" cy="5016758"/>
           </a:xfrm>
           <a:prstGeom prst="rect">
             <a:avLst/>
           </a:prstGeom>
-          <a:ln>
+          <a:ln w="12700">
             <a:solidFill>
-              <a:schemeClr val="bg1"/>
+              <a:schemeClr val="accent1">
+                <a:lumMod val="75000"/>
+              </a:schemeClr>
             </a:solidFill>
           </a:ln>
         </p:spPr>
@@ -5137,6 +5227,15 @@
               <a:buFont typeface="Arial" panose="020B0604020202020204" pitchFamily="34" charset="0"/>
               <a:buChar char="•"/>
             </a:pPr>
+            <a:endParaRPr lang="he-IL" sz="3200" dirty="0">
+              <a:latin typeface="Aptos" panose="020B0004020202020204" pitchFamily="34" charset="0"/>
+            </a:endParaRPr>
+          </a:p>
+          <a:p>
+            <a:pPr marL="457200" indent="-457200">
+              <a:buFont typeface="Arial" panose="020B0604020202020204" pitchFamily="34" charset="0"/>
+              <a:buChar char="•"/>
+            </a:pPr>
             <a:r>
               <a:rPr lang="en-US" sz="3200" dirty="0">
                 <a:latin typeface="Aptos" panose="020B0004020202020204" pitchFamily="34" charset="0"/>
@@ -5179,6 +5278,18 @@
               </a:rPr>
               <a:t>Generate Excel reports.</a:t>
             </a:r>
+            <a:endParaRPr lang="he-IL" sz="3200" dirty="0">
+              <a:latin typeface="Aptos" panose="020B0004020202020204" pitchFamily="34" charset="0"/>
+            </a:endParaRPr>
+          </a:p>
+          <a:p>
+            <a:pPr marL="457200" indent="-457200">
+              <a:buFont typeface="Arial" panose="020B0604020202020204" pitchFamily="34" charset="0"/>
+              <a:buChar char="•"/>
+            </a:pPr>
+            <a:endParaRPr lang="he-IL" sz="3200" dirty="0">
+              <a:latin typeface="Aptos" panose="020B0004020202020204" pitchFamily="34" charset="0"/>
+            </a:endParaRPr>
           </a:p>
         </p:txBody>
       </p:sp>
@@ -5350,8 +5461,8 @@
         </p:blipFill>
         <p:spPr>
           <a:xfrm>
-            <a:off x="9044707" y="5460057"/>
-            <a:ext cx="3735529" cy="1933428"/>
+            <a:off x="8561293" y="5288376"/>
+            <a:ext cx="4500001" cy="2329102"/>
           </a:xfrm>
           <a:prstGeom prst="rect">
             <a:avLst/>
@@ -5386,8 +5497,8 @@
         </p:blipFill>
         <p:spPr>
           <a:xfrm>
-            <a:off x="7546768" y="3608923"/>
-            <a:ext cx="1748063" cy="1748063"/>
+            <a:off x="7546769" y="3608924"/>
+            <a:ext cx="1436774" cy="1436774"/>
           </a:xfrm>
           <a:prstGeom prst="rect">
             <a:avLst/>
@@ -6489,7 +6600,9 @@
                 <a:lstStyle/>
                 <a:p>
                   <a:pPr algn="ctr"/>
-                  <a:endParaRPr lang="he-IL" dirty="0"/>
+                  <a:endParaRPr lang="he-IL" dirty="0">
+                    <a:latin typeface="Aptos" panose="020B0004020202020204" pitchFamily="34" charset="0"/>
+                  </a:endParaRPr>
                 </a:p>
               </p:txBody>
             </p:sp>
@@ -6623,7 +6736,9 @@
                   <a:lstStyle/>
                   <a:p>
                     <a:pPr algn="ctr"/>
-                    <a:endParaRPr lang="he-IL" dirty="0"/>
+                    <a:endParaRPr lang="he-IL" dirty="0">
+                      <a:latin typeface="Aptos" panose="020B0004020202020204" pitchFamily="34" charset="0"/>
+                    </a:endParaRPr>
                   </a:p>
                 </p:txBody>
               </p:sp>
@@ -6774,7 +6889,7 @@
                   <a:p>
                     <a:r>
                       <a:rPr lang="en-US" sz="3200" b="1" dirty="0">
-                        <a:latin typeface="+mn-lt"/>
+                        <a:latin typeface="Aptos" panose="020B0004020202020204" pitchFamily="34" charset="0"/>
                       </a:rPr>
                       <a:t>Problem Definition and Research</a:t>
                     </a:r>
@@ -6786,7 +6901,7 @@
                     </a:pPr>
                     <a:r>
                       <a:rPr lang="en-US" sz="2800" dirty="0">
-                        <a:latin typeface="+mn-lt"/>
+                        <a:latin typeface="Aptos" panose="020B0004020202020204" pitchFamily="34" charset="0"/>
                       </a:rPr>
                       <a:t>Identifying the challenges</a:t>
                     </a:r>
@@ -6798,7 +6913,7 @@
                     </a:pPr>
                     <a:r>
                       <a:rPr lang="en-US" sz="2800" dirty="0">
-                        <a:latin typeface="+mn-lt"/>
+                        <a:latin typeface="Aptos" panose="020B0004020202020204" pitchFamily="34" charset="0"/>
                       </a:rPr>
                       <a:t>literature review</a:t>
                     </a:r>
@@ -6810,13 +6925,13 @@
                     </a:pPr>
                     <a:r>
                       <a:rPr lang="en-US" sz="2800" dirty="0">
-                        <a:latin typeface="+mn-lt"/>
+                        <a:latin typeface="Aptos" panose="020B0004020202020204" pitchFamily="34" charset="0"/>
                       </a:rPr>
                       <a:t>Defining the solution</a:t>
                     </a:r>
                     <a:r>
                       <a:rPr lang="en-US" dirty="0">
-                        <a:latin typeface="+mn-lt"/>
+                        <a:latin typeface="Aptos" panose="020B0004020202020204" pitchFamily="34" charset="0"/>
                       </a:rPr>
                       <a:t>.</a:t>
                     </a:r>
@@ -6856,12 +6971,12 @@
                   <a:p>
                     <a:r>
                       <a:rPr lang="en-US" sz="3200" b="1" dirty="0">
-                        <a:latin typeface="+mn-lt"/>
+                        <a:latin typeface="Aptos" panose="020B0004020202020204" pitchFamily="34" charset="0"/>
                       </a:rPr>
                       <a:t>Planning</a:t>
                     </a:r>
                     <a:endParaRPr lang="en-US" sz="3200" dirty="0">
-                      <a:latin typeface="+mn-lt"/>
+                      <a:latin typeface="Aptos" panose="020B0004020202020204" pitchFamily="34" charset="0"/>
                     </a:endParaRPr>
                   </a:p>
                   <a:p>
@@ -6871,7 +6986,7 @@
                     </a:pPr>
                     <a:r>
                       <a:rPr lang="en-US" sz="2800" dirty="0">
-                        <a:latin typeface="+mn-lt"/>
+                        <a:latin typeface="Aptos" panose="020B0004020202020204" pitchFamily="34" charset="0"/>
                       </a:rPr>
                       <a:t>Gathering requirement. Analyzing daily processes.</a:t>
                     </a:r>
@@ -6883,7 +6998,7 @@
                     </a:pPr>
                     <a:r>
                       <a:rPr lang="en-US" sz="2800" dirty="0">
-                        <a:latin typeface="+mn-lt"/>
+                        <a:latin typeface="Aptos" panose="020B0004020202020204" pitchFamily="34" charset="0"/>
                       </a:rPr>
                       <a:t>define the system's key features.</a:t>
                     </a:r>
@@ -6905,7 +7020,7 @@
                 <p:spPr>
                   <a:xfrm>
                     <a:off x="9532654" y="16305443"/>
-                    <a:ext cx="3842883" cy="3170099"/>
+                    <a:ext cx="3842883" cy="3600986"/>
                   </a:xfrm>
                   <a:prstGeom prst="rect">
                     <a:avLst/>
@@ -6927,7 +7042,7 @@
                     </a:pPr>
                     <a:r>
                       <a:rPr lang="en-US" sz="3200" b="1" dirty="0">
-                        <a:latin typeface="+mn-lt"/>
+                        <a:latin typeface="Aptos" panose="020B0004020202020204" pitchFamily="34" charset="0"/>
                       </a:rPr>
                       <a:t>Design</a:t>
                     </a:r>
@@ -6939,7 +7054,7 @@
                     </a:pPr>
                     <a:r>
                       <a:rPr lang="en-US" sz="2800" dirty="0">
-                        <a:latin typeface="+mn-lt"/>
+                        <a:latin typeface="Aptos" panose="020B0004020202020204" pitchFamily="34" charset="0"/>
                       </a:rPr>
                       <a:t>Creating prototypes for the user interface. Designing the system architecture.</a:t>
                     </a:r>
@@ -6951,12 +7066,12 @@
                     </a:pPr>
                     <a:r>
                       <a:rPr lang="en-US" sz="2800" dirty="0">
-                        <a:latin typeface="+mn-lt"/>
+                        <a:latin typeface="Aptos" panose="020B0004020202020204" pitchFamily="34" charset="0"/>
                       </a:rPr>
                       <a:t>Incorporating early feedback from staff.</a:t>
                     </a:r>
                     <a:endParaRPr lang="en-US" sz="3200" dirty="0">
-                      <a:latin typeface="+mn-lt"/>
+                      <a:latin typeface="Aptos" panose="020B0004020202020204" pitchFamily="34" charset="0"/>
                     </a:endParaRPr>
                   </a:p>
                 </p:txBody>
@@ -6998,7 +7113,7 @@
                     </a:pPr>
                     <a:r>
                       <a:rPr lang="en-US" sz="3200" b="1" dirty="0">
-                        <a:latin typeface="+mn-lt"/>
+                        <a:latin typeface="Aptos" panose="020B0004020202020204" pitchFamily="34" charset="0"/>
                       </a:rPr>
                       <a:t>Development</a:t>
                     </a:r>
@@ -7010,7 +7125,7 @@
                     </a:pPr>
                     <a:r>
                       <a:rPr lang="en-US" sz="2800" dirty="0">
-                        <a:latin typeface="+mn-lt"/>
+                        <a:latin typeface="Aptos" panose="020B0004020202020204" pitchFamily="34" charset="0"/>
                       </a:rPr>
                       <a:t>User interface with React.js.  </a:t>
                     </a:r>
@@ -7022,7 +7137,7 @@
                     </a:pPr>
                     <a:r>
                       <a:rPr lang="en-US" sz="2800" dirty="0">
-                        <a:latin typeface="+mn-lt"/>
+                        <a:latin typeface="Aptos" panose="020B0004020202020204" pitchFamily="34" charset="0"/>
                       </a:rPr>
                       <a:t>Backend with Node.js and Express.js.  </a:t>
                     </a:r>
@@ -7034,7 +7149,7 @@
                     </a:pPr>
                     <a:r>
                       <a:rPr lang="en-US" sz="2800" dirty="0">
-                        <a:latin typeface="+mn-lt"/>
+                        <a:latin typeface="Aptos" panose="020B0004020202020204" pitchFamily="34" charset="0"/>
                       </a:rPr>
                       <a:t>Excel reports via XLSX library.  </a:t>
                     </a:r>
@@ -7046,7 +7161,7 @@
                     </a:pPr>
                     <a:r>
                       <a:rPr lang="en-US" sz="2800" dirty="0">
-                        <a:latin typeface="+mn-lt"/>
+                        <a:latin typeface="Aptos" panose="020B0004020202020204" pitchFamily="34" charset="0"/>
                       </a:rPr>
                       <a:t>Emails with Nodemailer.  </a:t>
                     </a:r>
@@ -7058,7 +7173,7 @@
                     </a:pPr>
                     <a:r>
                       <a:rPr lang="en-US" sz="2800" dirty="0">
-                        <a:latin typeface="+mn-lt"/>
+                        <a:latin typeface="Aptos" panose="020B0004020202020204" pitchFamily="34" charset="0"/>
                       </a:rPr>
                       <a:t>Text translation using Google Translate API.  </a:t>
                     </a:r>
@@ -7070,7 +7185,7 @@
                     </a:pPr>
                     <a:r>
                       <a:rPr lang="en-US" sz="2800" dirty="0">
-                        <a:latin typeface="+mn-lt"/>
+                        <a:latin typeface="Aptos" panose="020B0004020202020204" pitchFamily="34" charset="0"/>
                       </a:rPr>
                       <a:t> Voice feedback via Web Speech API. </a:t>
                     </a:r>
@@ -7081,7 +7196,7 @@
                       <a:buChar char="•"/>
                     </a:pPr>
                     <a:endParaRPr lang="en-US" sz="2800" dirty="0">
-                      <a:latin typeface="+mn-lt"/>
+                      <a:latin typeface="Aptos" panose="020B0004020202020204" pitchFamily="34" charset="0"/>
                     </a:endParaRPr>
                   </a:p>
                 </p:txBody>
@@ -7123,7 +7238,7 @@
                     </a:pPr>
                     <a:r>
                       <a:rPr lang="en-US" sz="3200" b="1" dirty="0">
-                        <a:latin typeface="+mn-lt"/>
+                        <a:latin typeface="Aptos" panose="020B0004020202020204" pitchFamily="34" charset="0"/>
                       </a:rPr>
                       <a:t>Implementation and Testing</a:t>
                     </a:r>
@@ -7135,7 +7250,7 @@
                     </a:pPr>
                     <a:r>
                       <a:rPr lang="en-US" sz="2800" dirty="0">
-                        <a:latin typeface="+mn-lt"/>
+                        <a:latin typeface="Aptos" panose="020B0004020202020204" pitchFamily="34" charset="0"/>
                       </a:rPr>
                       <a:t>Testing individual features, functionality and compatibility with the overall system.</a:t>
                     </a:r>
@@ -7147,7 +7262,7 @@
                     </a:pPr>
                     <a:r>
                       <a:rPr lang="en-US" sz="2800" dirty="0">
-                        <a:latin typeface="+mn-lt"/>
+                        <a:latin typeface="Aptos" panose="020B0004020202020204" pitchFamily="34" charset="0"/>
                       </a:rPr>
                       <a:t> Conducting tests on various devices.</a:t>
                     </a:r>
@@ -7159,12 +7274,12 @@
                     </a:pPr>
                     <a:r>
                       <a:rPr lang="en-US" sz="2800" dirty="0">
-                        <a:latin typeface="+mn-lt"/>
+                        <a:latin typeface="Aptos" panose="020B0004020202020204" pitchFamily="34" charset="0"/>
                       </a:rPr>
                       <a:t>Training the center’s manager and staff .</a:t>
                     </a:r>
                     <a:endParaRPr lang="he-IL" sz="2800" dirty="0">
-                      <a:latin typeface="+mn-lt"/>
+                      <a:latin typeface="Aptos" panose="020B0004020202020204" pitchFamily="34" charset="0"/>
                     </a:endParaRPr>
                   </a:p>
                 </p:txBody>
@@ -7375,8 +7490,8 @@
         </p:blipFill>
         <p:spPr>
           <a:xfrm>
-            <a:off x="5069280" y="19848293"/>
-            <a:ext cx="3351211" cy="1692677"/>
+            <a:off x="1479447" y="21040979"/>
+            <a:ext cx="5481579" cy="2768713"/>
           </a:xfrm>
           <a:prstGeom prst="rect">
             <a:avLst/>
@@ -7593,7 +7708,7 @@
         </p:nvSpPr>
         <p:spPr>
           <a:xfrm>
-            <a:off x="204007" y="16403940"/>
+            <a:off x="388807" y="16359241"/>
             <a:ext cx="8172487" cy="963101"/>
           </a:xfrm>
           <a:prstGeom prst="roundRect">
@@ -7803,7 +7918,7 @@
         </p:blipFill>
         <p:spPr bwMode="auto">
           <a:xfrm>
-            <a:off x="399540" y="33275804"/>
+            <a:off x="698098" y="33046708"/>
             <a:ext cx="5120864" cy="2367189"/>
           </a:xfrm>
           <a:prstGeom prst="rect">
@@ -7850,8 +7965,8 @@
         </p:blipFill>
         <p:spPr bwMode="auto">
           <a:xfrm>
-            <a:off x="5804424" y="32922445"/>
-            <a:ext cx="4220081" cy="2784524"/>
+            <a:off x="6171512" y="32279053"/>
+            <a:ext cx="4309873" cy="3290831"/>
           </a:xfrm>
           <a:prstGeom prst="rect">
             <a:avLst/>
@@ -7897,8 +8012,8 @@
         </p:blipFill>
         <p:spPr bwMode="auto">
           <a:xfrm>
-            <a:off x="14548304" y="32604518"/>
-            <a:ext cx="6091522" cy="3038475"/>
+            <a:off x="14819949" y="32166972"/>
+            <a:ext cx="6091522" cy="3402913"/>
           </a:xfrm>
           <a:prstGeom prst="rect">
             <a:avLst/>
@@ -7944,7 +8059,7 @@
         </p:blipFill>
         <p:spPr bwMode="auto">
           <a:xfrm>
-            <a:off x="10430899" y="32304056"/>
+            <a:off x="10725334" y="32223466"/>
             <a:ext cx="3749306" cy="3402913"/>
           </a:xfrm>
           <a:prstGeom prst="rect">
@@ -8237,8 +8352,8 @@
         </p:nvSpPr>
         <p:spPr>
           <a:xfrm>
-            <a:off x="18509512" y="26038569"/>
-            <a:ext cx="6050566" cy="4031873"/>
+            <a:off x="18535278" y="26268580"/>
+            <a:ext cx="6050566" cy="3539430"/>
           </a:xfrm>
           <a:prstGeom prst="rect">
             <a:avLst/>
@@ -8259,7 +8374,7 @@
               <a:rPr lang="en-US" sz="3200" dirty="0">
                 <a:latin typeface="Aptos" panose="020B0004020202020204" pitchFamily="34" charset="0"/>
               </a:rPr>
-              <a:t>Free tools for accurate translation and text-to-speech.</a:t>
+              <a:t>Tools for accurate translation and text-to-speech.</a:t>
             </a:r>
           </a:p>
           <a:p>
@@ -8285,11 +8400,6 @@
               </a:rPr>
               <a:t>Ensuring reliable and high-quality system performance with free solutions.</a:t>
             </a:r>
-          </a:p>
-          <a:p>
-            <a:endParaRPr lang="he-IL" sz="3200" dirty="0">
-              <a:latin typeface="Aptos" panose="020B0004020202020204" pitchFamily="34" charset="0"/>
-            </a:endParaRPr>
           </a:p>
         </p:txBody>
       </p:sp>
@@ -8875,15 +8985,6 @@
 </file>
 
 <file path=customXml/item1.xml><?xml version="1.0" encoding="utf-8"?>
-<?mso-contentType ?>
-<FormTemplates xmlns="http://schemas.microsoft.com/sharepoint/v3/contenttype/forms">
-  <Display>DocumentLibraryForm</Display>
-  <Edit>DocumentLibraryForm</Edit>
-  <New>DocumentLibraryForm</New>
-</FormTemplates>
-</file>
-
-<file path=customXml/item2.xml><?xml version="1.0" encoding="utf-8"?>
 <ct:contentTypeSchema xmlns:ct="http://schemas.microsoft.com/office/2006/metadata/contentType" xmlns:ma="http://schemas.microsoft.com/office/2006/metadata/properties/metaAttributes" ct:_="" ma:_="" ma:contentTypeName="מסמך" ma:contentTypeID="0x010100B35FDB4C5E71E04494F9B832E8A37DC7" ma:contentTypeVersion="8" ma:contentTypeDescription="צור מסמך חדש." ma:contentTypeScope="" ma:versionID="c1488becd6eb6a17530a0dadef69db59">
   <xsd:schema xmlns:xsd="http://www.w3.org/2001/XMLSchema" xmlns:xs="http://www.w3.org/2001/XMLSchema" xmlns:p="http://schemas.microsoft.com/office/2006/metadata/properties" xmlns:ns3="2801f6be-4354-458f-811a-2218e999c1d5" targetNamespace="http://schemas.microsoft.com/office/2006/metadata/properties" ma:root="true" ma:fieldsID="aeb8f54bd7859b6c751e095687eaacfc" ns3:_="">
     <xsd:import namespace="2801f6be-4354-458f-811a-2218e999c1d5"/>
@@ -9053,15 +9154,16 @@
 </ct:contentTypeSchema>
 </file>
 
-<file path=customXml/itemProps1.xml><?xml version="1.0" encoding="utf-8"?>
-<ds:datastoreItem xmlns:ds="http://schemas.openxmlformats.org/officeDocument/2006/customXml" ds:itemID="{C8191CFB-2E68-45A5-A5D6-AEB1A05E0EE3}">
-  <ds:schemaRefs>
-    <ds:schemaRef ds:uri="http://schemas.microsoft.com/sharepoint/v3/contenttype/forms"/>
-  </ds:schemaRefs>
-</ds:datastoreItem>
+<file path=customXml/item2.xml><?xml version="1.0" encoding="utf-8"?>
+<?mso-contentType ?>
+<FormTemplates xmlns="http://schemas.microsoft.com/sharepoint/v3/contenttype/forms">
+  <Display>DocumentLibraryForm</Display>
+  <Edit>DocumentLibraryForm</Edit>
+  <New>DocumentLibraryForm</New>
+</FormTemplates>
 </file>
 
-<file path=customXml/itemProps2.xml><?xml version="1.0" encoding="utf-8"?>
+<file path=customXml/itemProps1.xml><?xml version="1.0" encoding="utf-8"?>
 <ds:datastoreItem xmlns:ds="http://schemas.openxmlformats.org/officeDocument/2006/customXml" ds:itemID="{E308AE1F-5D78-479C-9CDF-3D233BB3A26D}">
   <ds:schemaRefs>
     <ds:schemaRef ds:uri="http://schemas.microsoft.com/office/2006/metadata/contentType"/>
@@ -9077,4 +9179,12 @@
     <ds:schemaRef ds:uri="http://schemas.microsoft.com/internal/obd"/>
   </ds:schemaRefs>
 </ds:datastoreItem>
+</file>
+
+<file path=customXml/itemProps2.xml><?xml version="1.0" encoding="utf-8"?>
+<ds:datastoreItem xmlns:ds="http://schemas.openxmlformats.org/officeDocument/2006/customXml" ds:itemID="{C8191CFB-2E68-45A5-A5D6-AEB1A05E0EE3}">
+  <ds:schemaRefs>
+    <ds:schemaRef ds:uri="http://schemas.microsoft.com/sharepoint/v3/contenttype/forms"/>
+  </ds:schemaRefs>
+</ds:datastoreItem>
 </file>
--- a/Poster.pptx
+++ b/Poster.pptx
@@ -204,14 +204,6 @@
     </p:ext>
   </p:extLst>
 </p:presentation>
-</file>
-
-<file path=ppt/revisionInfo.xml><?xml version="1.0" encoding="utf-8"?>
-<p1510:revInfo xmlns:a="http://schemas.openxmlformats.org/drawingml/2006/main" xmlns:r="http://schemas.openxmlformats.org/officeDocument/2006/relationships" xmlns:p1510="http://schemas.microsoft.com/office/powerpoint/2015/10/main">
-  <p1510:revLst>
-    <p1510:client id="{5A786C6D-267E-480E-BEA4-DD6609085962}" v="801" dt="2025-01-23T15:58:59.353"/>
-  </p1510:revLst>
-</p1510:revInfo>
 </file>
 
 <file path=ppt/notesMasters/notesMaster1.xml><?xml version="1.0" encoding="utf-8"?>
@@ -4678,7 +4670,7 @@
               <a:rPr lang="en-US" sz="3200" dirty="0">
                 <a:latin typeface="Aptos" panose="020B0004020202020204" pitchFamily="34" charset="0"/>
               </a:rPr>
-              <a:t>Real-time emotional state monitoring and alerts.</a:t>
+              <a:t>Real-time attendance and behavior monitoring.</a:t>
             </a:r>
           </a:p>
           <a:p>
